--- a/DND/DNDCharacterSheet/doc/Dungeons and Dragons Final.pptx
+++ b/DND/DNDCharacterSheet/doc/Dungeons and Dragons Final.pptx
@@ -10,9 +10,8 @@
     <p:sldId id="258" r:id="rId4"/>
     <p:sldId id="260" r:id="rId5"/>
     <p:sldId id="259" r:id="rId6"/>
-    <p:sldId id="261" r:id="rId7"/>
-    <p:sldId id="262" r:id="rId8"/>
-    <p:sldId id="263" r:id="rId9"/>
+    <p:sldId id="262" r:id="rId7"/>
+    <p:sldId id="261" r:id="rId8"/>
   </p:sldIdLst>
   <p:sldSz cx="9144000" cy="6858000" type="screen4x3"/>
   <p:notesSz cx="6858000" cy="9144000"/>
@@ -321,7 +320,7 @@
           <a:p>
             <a:fld id="{921991E4-8F09-42BD-9F55-DB4AEBCF8E3A}" type="datetimeFigureOut">
               <a:rPr lang="en-US" smtClean="0"/>
-              <a:t>4/27/2011</a:t>
+              <a:t>4/28/2011</a:t>
             </a:fld>
             <a:endParaRPr lang="en-US"/>
           </a:p>
@@ -515,7 +514,7 @@
           <a:p>
             <a:fld id="{921991E4-8F09-42BD-9F55-DB4AEBCF8E3A}" type="datetimeFigureOut">
               <a:rPr lang="en-US" smtClean="0"/>
-              <a:t>4/27/2011</a:t>
+              <a:t>4/28/2011</a:t>
             </a:fld>
             <a:endParaRPr lang="en-US"/>
           </a:p>
@@ -703,7 +702,7 @@
           <a:p>
             <a:fld id="{921991E4-8F09-42BD-9F55-DB4AEBCF8E3A}" type="datetimeFigureOut">
               <a:rPr lang="en-US" smtClean="0"/>
-              <a:t>4/27/2011</a:t>
+              <a:t>4/28/2011</a:t>
             </a:fld>
             <a:endParaRPr lang="en-US"/>
           </a:p>
@@ -932,7 +931,7 @@
           <a:p>
             <a:fld id="{921991E4-8F09-42BD-9F55-DB4AEBCF8E3A}" type="datetimeFigureOut">
               <a:rPr lang="en-US" smtClean="0"/>
-              <a:t>4/27/2011</a:t>
+              <a:t>4/28/2011</a:t>
             </a:fld>
             <a:endParaRPr lang="en-US"/>
           </a:p>
@@ -1213,7 +1212,7 @@
           <a:p>
             <a:fld id="{921991E4-8F09-42BD-9F55-DB4AEBCF8E3A}" type="datetimeFigureOut">
               <a:rPr lang="en-US" smtClean="0"/>
-              <a:t>4/27/2011</a:t>
+              <a:t>4/28/2011</a:t>
             </a:fld>
             <a:endParaRPr lang="en-US"/>
           </a:p>
@@ -1501,7 +1500,7 @@
           <a:p>
             <a:fld id="{921991E4-8F09-42BD-9F55-DB4AEBCF8E3A}" type="datetimeFigureOut">
               <a:rPr lang="en-US" smtClean="0"/>
-              <a:t>4/27/2011</a:t>
+              <a:t>4/28/2011</a:t>
             </a:fld>
             <a:endParaRPr lang="en-US"/>
           </a:p>
@@ -2055,7 +2054,7 @@
           <a:p>
             <a:fld id="{921991E4-8F09-42BD-9F55-DB4AEBCF8E3A}" type="datetimeFigureOut">
               <a:rPr lang="en-US" smtClean="0"/>
-              <a:t>4/27/2011</a:t>
+              <a:t>4/28/2011</a:t>
             </a:fld>
             <a:endParaRPr lang="en-US"/>
           </a:p>
@@ -2186,7 +2185,7 @@
           <a:p>
             <a:fld id="{921991E4-8F09-42BD-9F55-DB4AEBCF8E3A}" type="datetimeFigureOut">
               <a:rPr lang="en-US" smtClean="0"/>
-              <a:t>4/27/2011</a:t>
+              <a:t>4/28/2011</a:t>
             </a:fld>
             <a:endParaRPr lang="en-US"/>
           </a:p>
@@ -2336,7 +2335,7 @@
           <a:p>
             <a:fld id="{921991E4-8F09-42BD-9F55-DB4AEBCF8E3A}" type="datetimeFigureOut">
               <a:rPr lang="en-US" smtClean="0"/>
-              <a:t>4/27/2011</a:t>
+              <a:t>4/28/2011</a:t>
             </a:fld>
             <a:endParaRPr lang="en-US"/>
           </a:p>
@@ -2657,7 +2656,7 @@
           <a:p>
             <a:fld id="{921991E4-8F09-42BD-9F55-DB4AEBCF8E3A}" type="datetimeFigureOut">
               <a:rPr lang="en-US" smtClean="0"/>
-              <a:t>4/27/2011</a:t>
+              <a:t>4/28/2011</a:t>
             </a:fld>
             <a:endParaRPr lang="en-US"/>
           </a:p>
@@ -2954,7 +2953,7 @@
           <a:p>
             <a:fld id="{921991E4-8F09-42BD-9F55-DB4AEBCF8E3A}" type="datetimeFigureOut">
               <a:rPr lang="en-US" smtClean="0"/>
-              <a:t>4/27/2011</a:t>
+              <a:t>4/28/2011</a:t>
             </a:fld>
             <a:endParaRPr lang="en-US"/>
           </a:p>
@@ -3199,7 +3198,7 @@
           <a:p>
             <a:fld id="{921991E4-8F09-42BD-9F55-DB4AEBCF8E3A}" type="datetimeFigureOut">
               <a:rPr lang="en-US" smtClean="0"/>
-              <a:t>4/27/2011</a:t>
+              <a:t>4/28/2011</a:t>
             </a:fld>
             <a:endParaRPr lang="en-US"/>
           </a:p>
@@ -3834,7 +3833,7 @@
         </p:spPr>
         <p:txBody>
           <a:bodyPr>
-            <a:normAutofit fontScale="85000" lnSpcReduction="20000"/>
+            <a:normAutofit fontScale="85000" lnSpcReduction="10000"/>
           </a:bodyPr>
           <a:lstStyle/>
           <a:p>
@@ -3844,16 +3843,53 @@
             </a:r>
             <a:r>
               <a:rPr lang="en-US" dirty="0" smtClean="0"/>
-              <a:t> results:</a:t>
-            </a:r>
-          </a:p>
-          <a:p>
+              <a:t> </a:t>
+            </a:r>
+            <a:r>
+              <a:rPr lang="en-US" dirty="0" smtClean="0"/>
+              <a:t>results on the </a:t>
+            </a:r>
+            <a:r>
+              <a:rPr lang="en-US" dirty="0" err="1" smtClean="0"/>
+              <a:t>localhost</a:t>
+            </a:r>
+            <a:r>
+              <a:rPr lang="en-US" dirty="0" smtClean="0"/>
+              <a:t>:</a:t>
+            </a:r>
             <a:endParaRPr lang="en-US" dirty="0" smtClean="0"/>
           </a:p>
           <a:p>
+            <a:endParaRPr lang="en-US" dirty="0" smtClean="0"/>
+          </a:p>
+          <a:p>
             <a:r>
               <a:rPr lang="en-US" dirty="0" smtClean="0"/>
-              <a:t>Our load times in milliseconds were up to 16,000 on average with 50 users.</a:t>
+              <a:t>Our load </a:t>
+            </a:r>
+            <a:r>
+              <a:rPr lang="en-US" dirty="0" smtClean="0"/>
+              <a:t>time </a:t>
+            </a:r>
+            <a:r>
+              <a:rPr lang="en-US" dirty="0" smtClean="0"/>
+              <a:t>on average was</a:t>
+            </a:r>
+            <a:r>
+              <a:rPr lang="en-US" dirty="0" smtClean="0"/>
+              <a:t> 13,000 </a:t>
+            </a:r>
+            <a:r>
+              <a:rPr lang="en-US" dirty="0" err="1" smtClean="0"/>
+              <a:t>ms</a:t>
+            </a:r>
+            <a:r>
+              <a:rPr lang="en-US" dirty="0" smtClean="0"/>
+              <a:t> </a:t>
+            </a:r>
+            <a:r>
+              <a:rPr lang="en-US" dirty="0" smtClean="0"/>
+              <a:t>with 50 users.</a:t>
             </a:r>
           </a:p>
           <a:p>
@@ -3862,8 +3898,13 @@
           <a:p>
             <a:r>
               <a:rPr lang="en-US" dirty="0" smtClean="0"/>
-              <a:t>Bottleneck in our Player’s Show.erb.html page.</a:t>
-            </a:r>
+              <a:t>Bottleneck in our </a:t>
+            </a:r>
+            <a:r>
+              <a:rPr lang="en-US" dirty="0" smtClean="0"/>
+              <a:t>View Player pages.</a:t>
+            </a:r>
+            <a:endParaRPr lang="en-US" dirty="0" smtClean="0"/>
           </a:p>
         </p:txBody>
       </p:sp>
@@ -3962,12 +4003,12 @@
         <p:spPr>
           <a:xfrm>
             <a:off x="457200" y="1645920"/>
-            <a:ext cx="8077200" cy="2316480"/>
+            <a:ext cx="8229600" cy="2011680"/>
           </a:xfrm>
         </p:spPr>
         <p:txBody>
           <a:bodyPr>
-            <a:normAutofit fontScale="92500" lnSpcReduction="10000"/>
+            <a:normAutofit fontScale="92500" lnSpcReduction="20000"/>
           </a:bodyPr>
           <a:lstStyle/>
           <a:p>
@@ -3977,16 +4018,45 @@
             </a:r>
             <a:r>
               <a:rPr lang="en-US" dirty="0" smtClean="0"/>
-              <a:t> results:</a:t>
-            </a:r>
-          </a:p>
-          <a:p>
+              <a:t> </a:t>
+            </a:r>
+            <a:r>
+              <a:rPr lang="en-US" dirty="0" smtClean="0"/>
+              <a:t>results on the </a:t>
+            </a:r>
+            <a:r>
+              <a:rPr lang="en-US" dirty="0" err="1" smtClean="0"/>
+              <a:t>localhost</a:t>
+            </a:r>
+            <a:r>
+              <a:rPr lang="en-US" dirty="0" smtClean="0"/>
+              <a:t>:</a:t>
+            </a:r>
             <a:endParaRPr lang="en-US" dirty="0" smtClean="0"/>
           </a:p>
           <a:p>
+            <a:endParaRPr lang="en-US" dirty="0" smtClean="0"/>
+          </a:p>
+          <a:p>
             <a:r>
               <a:rPr lang="en-US" dirty="0" smtClean="0"/>
-              <a:t>Our load times in milliseconds were up to 11,000 on average with 50 users.</a:t>
+              <a:t>Our load </a:t>
+            </a:r>
+            <a:r>
+              <a:rPr lang="en-US" dirty="0" smtClean="0"/>
+              <a:t>time on average was 10,000 </a:t>
+            </a:r>
+            <a:r>
+              <a:rPr lang="en-US" dirty="0" err="1" smtClean="0"/>
+              <a:t>ms</a:t>
+            </a:r>
+            <a:r>
+              <a:rPr lang="en-US" dirty="0" smtClean="0"/>
+              <a:t> </a:t>
+            </a:r>
+            <a:r>
+              <a:rPr lang="en-US" dirty="0" smtClean="0"/>
+              <a:t>with 50 users.</a:t>
             </a:r>
           </a:p>
           <a:p>
@@ -3995,8 +4065,13 @@
           <a:p>
             <a:r>
               <a:rPr lang="en-US" dirty="0" smtClean="0"/>
-              <a:t>Bottleneck in our Player’s Show.erb.html page.</a:t>
-            </a:r>
+              <a:t>Bottleneck in our </a:t>
+            </a:r>
+            <a:r>
+              <a:rPr lang="en-US" dirty="0" smtClean="0"/>
+              <a:t>Player View pages.</a:t>
+            </a:r>
+            <a:endParaRPr lang="en-US" dirty="0" smtClean="0"/>
           </a:p>
         </p:txBody>
       </p:sp>
@@ -4024,8 +4099,8 @@
         </p:blipFill>
         <p:spPr>
           <a:xfrm>
-            <a:off x="609600" y="4114800"/>
-            <a:ext cx="7924800" cy="2420890"/>
+            <a:off x="609600" y="3810000"/>
+            <a:ext cx="7924800" cy="2725690"/>
           </a:xfrm>
         </p:spPr>
       </p:pic>
@@ -4123,15 +4198,23 @@
           <a:p>
             <a:r>
               <a:rPr lang="en-US" dirty="0"/>
-              <a:t>Our load times in milliseconds were up to </a:t>
+              <a:t>Our load </a:t>
             </a:r>
             <a:r>
               <a:rPr lang="en-US" dirty="0" smtClean="0"/>
-              <a:t>1,000 </a:t>
+              <a:t>time on average was 1,200 </a:t>
+            </a:r>
+            <a:r>
+              <a:rPr lang="en-US" dirty="0" err="1" smtClean="0"/>
+              <a:t>ms</a:t>
+            </a:r>
+            <a:r>
+              <a:rPr lang="en-US" dirty="0" smtClean="0"/>
+              <a:t> with </a:t>
             </a:r>
             <a:r>
               <a:rPr lang="en-US" dirty="0"/>
-              <a:t>on average with 50 users.</a:t>
+              <a:t>50 users.</a:t>
             </a:r>
           </a:p>
           <a:p>
@@ -4140,7 +4223,19 @@
           <a:p>
             <a:r>
               <a:rPr lang="en-US" dirty="0" smtClean="0"/>
-              <a:t>This concludes our best time, and bottleneck problem solved.</a:t>
+              <a:t>This concludes our best time, </a:t>
+            </a:r>
+            <a:r>
+              <a:rPr lang="en-US" dirty="0" smtClean="0"/>
+              <a:t>and our </a:t>
+            </a:r>
+            <a:r>
+              <a:rPr lang="en-US" dirty="0" smtClean="0"/>
+              <a:t>bottleneck </a:t>
+            </a:r>
+            <a:r>
+              <a:rPr lang="en-US" dirty="0" smtClean="0"/>
+              <a:t>has improved.</a:t>
             </a:r>
             <a:endParaRPr lang="en-US" dirty="0"/>
           </a:p>
@@ -4344,7 +4439,7 @@
           <a:p>
             <a:r>
               <a:rPr lang="en-US" dirty="0" smtClean="0"/>
-              <a:t>Selenium Testing</a:t>
+              <a:t>Q and A team for Hangman</a:t>
             </a:r>
             <a:endParaRPr lang="en-US" dirty="0"/>
           </a:p>
@@ -4360,19 +4455,55 @@
             <p:ph idx="1"/>
           </p:nvPr>
         </p:nvSpPr>
-        <p:spPr>
-          <a:xfrm>
-            <a:off x="533400" y="3048000"/>
-            <a:ext cx="8229600" cy="1434737"/>
-          </a:xfrm>
-        </p:spPr>
-        <p:txBody>
-          <a:bodyPr/>
+        <p:spPr/>
+        <p:txBody>
+          <a:bodyPr>
+            <a:normAutofit fontScale="92500" lnSpcReduction="20000"/>
+          </a:bodyPr>
           <a:lstStyle/>
           <a:p>
             <a:r>
               <a:rPr lang="en-US" dirty="0" smtClean="0"/>
-              <a:t>Please enjoy our Selenium test cases.</a:t>
+              <a:t>User Acceptance Test – There was 4 test cases in bugs/errors. Then 9 user acceptance test cases. Also, there was 4 other </a:t>
+            </a:r>
+            <a:r>
+              <a:rPr lang="en-US" smtClean="0"/>
+              <a:t>possible bugs.</a:t>
+            </a:r>
+            <a:endParaRPr lang="en-US" dirty="0" smtClean="0"/>
+          </a:p>
+          <a:p>
+            <a:endParaRPr lang="en-US" dirty="0"/>
+          </a:p>
+          <a:p>
+            <a:r>
+              <a:rPr lang="en-US" dirty="0" smtClean="0"/>
+              <a:t>Load Testing – </a:t>
+            </a:r>
+            <a:r>
+              <a:rPr lang="en-US" dirty="0" err="1" smtClean="0"/>
+              <a:t>Jmeter</a:t>
+            </a:r>
+            <a:r>
+              <a:rPr lang="en-US" dirty="0" smtClean="0"/>
+              <a:t> was able to get through the login page as well get all pages.</a:t>
+            </a:r>
+          </a:p>
+          <a:p>
+            <a:endParaRPr lang="en-US" dirty="0"/>
+          </a:p>
+          <a:p>
+            <a:r>
+              <a:rPr lang="en-US" dirty="0" smtClean="0"/>
+              <a:t>Bottle Neck Profiling – </a:t>
+            </a:r>
+            <a:r>
+              <a:rPr lang="en-US" dirty="0" err="1" smtClean="0"/>
+              <a:t>Jmeter’s</a:t>
+            </a:r>
+            <a:r>
+              <a:rPr lang="en-US" dirty="0" smtClean="0"/>
+              <a:t> summary report on average load times showed “Current Game” page was the issue.</a:t>
             </a:r>
             <a:endParaRPr lang="en-US" dirty="0"/>
           </a:p>
@@ -4381,7 +4512,7 @@
     </p:spTree>
     <p:extLst>
       <p:ext uri="{BB962C8B-B14F-4D97-AF65-F5344CB8AC3E}">
-        <p14:creationId xmlns:p14="http://schemas.microsoft.com/office/powerpoint/2010/main" val="2679907641"/>
+        <p14:creationId xmlns:p14="http://schemas.microsoft.com/office/powerpoint/2010/main" val="1126931427"/>
       </p:ext>
     </p:extLst>
   </p:cSld>
@@ -4425,7 +4556,7 @@
           <a:p>
             <a:r>
               <a:rPr lang="en-US" dirty="0" smtClean="0"/>
-              <a:t>Q and A team for Hangman</a:t>
+              <a:t>Selenium Testing</a:t>
             </a:r>
             <a:endParaRPr lang="en-US" dirty="0"/>
           </a:p>
@@ -4441,67 +4572,19 @@
             <p:ph idx="1"/>
           </p:nvPr>
         </p:nvSpPr>
-        <p:spPr/>
-        <p:txBody>
-          <a:bodyPr>
-            <a:normAutofit fontScale="92500" lnSpcReduction="20000"/>
-          </a:bodyPr>
+        <p:spPr>
+          <a:xfrm>
+            <a:off x="533400" y="3048000"/>
+            <a:ext cx="8229600" cy="1434737"/>
+          </a:xfrm>
+        </p:spPr>
+        <p:txBody>
+          <a:bodyPr/>
           <a:lstStyle/>
           <a:p>
             <a:r>
               <a:rPr lang="en-US" dirty="0" smtClean="0"/>
-              <a:t>User Acceptance Test – There was </a:t>
-            </a:r>
-            <a:r>
-              <a:rPr lang="en-US" dirty="0" smtClean="0"/>
-              <a:t>4 </a:t>
-            </a:r>
-            <a:r>
-              <a:rPr lang="en-US" dirty="0" smtClean="0"/>
-              <a:t>test cases in bugs/errors</a:t>
-            </a:r>
-            <a:r>
-              <a:rPr lang="en-US" dirty="0" smtClean="0"/>
-              <a:t>. Then 9 user acceptance test cases. Also, there was 4 other </a:t>
-            </a:r>
-            <a:r>
-              <a:rPr lang="en-US" smtClean="0"/>
-              <a:t>possible bugs.</a:t>
-            </a:r>
-            <a:endParaRPr lang="en-US" dirty="0" smtClean="0"/>
-          </a:p>
-          <a:p>
-            <a:endParaRPr lang="en-US" dirty="0"/>
-          </a:p>
-          <a:p>
-            <a:r>
-              <a:rPr lang="en-US" dirty="0" smtClean="0"/>
-              <a:t>Load Testing – </a:t>
-            </a:r>
-            <a:r>
-              <a:rPr lang="en-US" dirty="0" err="1" smtClean="0"/>
-              <a:t>Jmeter</a:t>
-            </a:r>
-            <a:r>
-              <a:rPr lang="en-US" dirty="0" smtClean="0"/>
-              <a:t> was able to get through the login page as well get all pages.</a:t>
-            </a:r>
-          </a:p>
-          <a:p>
-            <a:endParaRPr lang="en-US" dirty="0"/>
-          </a:p>
-          <a:p>
-            <a:r>
-              <a:rPr lang="en-US" dirty="0" smtClean="0"/>
-              <a:t>Bottle Neck Profiling – </a:t>
-            </a:r>
-            <a:r>
-              <a:rPr lang="en-US" dirty="0" err="1" smtClean="0"/>
-              <a:t>Jmeter’s</a:t>
-            </a:r>
-            <a:r>
-              <a:rPr lang="en-US" dirty="0" smtClean="0"/>
-              <a:t> summary report on average load times showed “Current Game” page was the issue.</a:t>
+              <a:t>Please enjoy our Selenium test cases.</a:t>
             </a:r>
             <a:endParaRPr lang="en-US" dirty="0"/>
           </a:p>
@@ -4510,66 +4593,7 @@
     </p:spTree>
     <p:extLst>
       <p:ext uri="{BB962C8B-B14F-4D97-AF65-F5344CB8AC3E}">
-        <p14:creationId xmlns:p14="http://schemas.microsoft.com/office/powerpoint/2010/main" val="1126931427"/>
-      </p:ext>
-    </p:extLst>
-  </p:cSld>
-  <p:clrMapOvr>
-    <a:masterClrMapping/>
-  </p:clrMapOvr>
-</p:sld>
-</file>
-
-<file path=ppt/slides/slide8.xml><?xml version="1.0" encoding="utf-8"?>
-<p:sld xmlns:a="http://schemas.openxmlformats.org/drawingml/2006/main" xmlns:r="http://schemas.openxmlformats.org/officeDocument/2006/relationships" xmlns:p="http://schemas.openxmlformats.org/presentationml/2006/main">
-  <p:cSld>
-    <p:spTree>
-      <p:nvGrpSpPr>
-        <p:cNvPr id="1" name=""/>
-        <p:cNvGrpSpPr/>
-        <p:nvPr/>
-      </p:nvGrpSpPr>
-      <p:grpSpPr>
-        <a:xfrm>
-          <a:off x="0" y="0"/>
-          <a:ext cx="0" cy="0"/>
-          <a:chOff x="0" y="0"/>
-          <a:chExt cx="0" cy="0"/>
-        </a:xfrm>
-      </p:grpSpPr>
-      <p:sp>
-        <p:nvSpPr>
-          <p:cNvPr id="2" name="Title 1"/>
-          <p:cNvSpPr>
-            <a:spLocks noGrp="1"/>
-          </p:cNvSpPr>
-          <p:nvPr>
-            <p:ph type="title"/>
-          </p:nvPr>
-        </p:nvSpPr>
-        <p:spPr>
-          <a:xfrm>
-            <a:off x="457200" y="2819400"/>
-            <a:ext cx="8229600" cy="1143000"/>
-          </a:xfrm>
-        </p:spPr>
-        <p:txBody>
-          <a:bodyPr/>
-          <a:lstStyle/>
-          <a:p>
-            <a:pPr algn="ctr"/>
-            <a:r>
-              <a:rPr lang="en-US" dirty="0" smtClean="0"/>
-              <a:t>The End</a:t>
-            </a:r>
-            <a:endParaRPr lang="en-US" dirty="0"/>
-          </a:p>
-        </p:txBody>
-      </p:sp>
-    </p:spTree>
-    <p:extLst>
-      <p:ext uri="{BB962C8B-B14F-4D97-AF65-F5344CB8AC3E}">
-        <p14:creationId xmlns:p14="http://schemas.microsoft.com/office/powerpoint/2010/main" val="527017450"/>
+        <p14:creationId xmlns:p14="http://schemas.microsoft.com/office/powerpoint/2010/main" val="2679907641"/>
       </p:ext>
     </p:extLst>
   </p:cSld>
